--- a/Deliverables/ExpediaPresto.pptx
+++ b/Deliverables/ExpediaPresto.pptx
@@ -10,15 +10,17 @@
     <p:sldId id="258" r:id="rId4"/>
     <p:sldId id="260" r:id="rId5"/>
     <p:sldId id="259" r:id="rId6"/>
-    <p:sldId id="261" r:id="rId7"/>
-    <p:sldId id="262" r:id="rId8"/>
-    <p:sldId id="263" r:id="rId9"/>
-    <p:sldId id="264" r:id="rId10"/>
-    <p:sldId id="265" r:id="rId11"/>
-    <p:sldId id="266" r:id="rId12"/>
-    <p:sldId id="267" r:id="rId13"/>
-    <p:sldId id="268" r:id="rId14"/>
-    <p:sldId id="269" r:id="rId15"/>
+    <p:sldId id="270" r:id="rId7"/>
+    <p:sldId id="271" r:id="rId8"/>
+    <p:sldId id="261" r:id="rId9"/>
+    <p:sldId id="262" r:id="rId10"/>
+    <p:sldId id="263" r:id="rId11"/>
+    <p:sldId id="264" r:id="rId12"/>
+    <p:sldId id="265" r:id="rId13"/>
+    <p:sldId id="266" r:id="rId14"/>
+    <p:sldId id="267" r:id="rId15"/>
+    <p:sldId id="268" r:id="rId16"/>
+    <p:sldId id="269" r:id="rId17"/>
   </p:sldIdLst>
   <p:sldSz cx="9144000" cy="6858000" type="screen4x3"/>
   <p:notesSz cx="6858000" cy="9144000"/>
@@ -403,7 +405,7 @@
           <a:p>
             <a:fld id="{B01F9CA3-105E-4857-9057-6DB6197DA786}" type="datetimeFigureOut">
               <a:rPr lang="en-US" smtClean="0"/>
-              <a:t>17/06/16</a:t>
+              <a:t>27/06/16</a:t>
             </a:fld>
             <a:endParaRPr lang="en-US"/>
           </a:p>
@@ -595,7 +597,7 @@
           <a:p>
             <a:fld id="{B01F9CA3-105E-4857-9057-6DB6197DA786}" type="datetimeFigureOut">
               <a:rPr lang="en-US" smtClean="0"/>
-              <a:t>17/06/16</a:t>
+              <a:t>27/06/16</a:t>
             </a:fld>
             <a:endParaRPr lang="en-US"/>
           </a:p>
@@ -864,7 +866,7 @@
           <a:p>
             <a:fld id="{B01F9CA3-105E-4857-9057-6DB6197DA786}" type="datetimeFigureOut">
               <a:rPr lang="en-US" smtClean="0"/>
-              <a:t>17/06/16</a:t>
+              <a:t>27/06/16</a:t>
             </a:fld>
             <a:endParaRPr lang="en-US"/>
           </a:p>
@@ -1043,7 +1045,7 @@
           <a:p>
             <a:fld id="{B01F9CA3-105E-4857-9057-6DB6197DA786}" type="datetimeFigureOut">
               <a:rPr lang="en-US" smtClean="0"/>
-              <a:t>17/06/16</a:t>
+              <a:t>27/06/16</a:t>
             </a:fld>
             <a:endParaRPr lang="en-US"/>
           </a:p>
@@ -1212,7 +1214,7 @@
           <a:p>
             <a:fld id="{B01F9CA3-105E-4857-9057-6DB6197DA786}" type="datetimeFigureOut">
               <a:rPr lang="en-US" smtClean="0"/>
-              <a:t>17/06/16</a:t>
+              <a:t>27/06/16</a:t>
             </a:fld>
             <a:endParaRPr lang="en-US"/>
           </a:p>
@@ -1454,7 +1456,7 @@
           <a:p>
             <a:fld id="{B01F9CA3-105E-4857-9057-6DB6197DA786}" type="datetimeFigureOut">
               <a:rPr lang="en-US" smtClean="0"/>
-              <a:t>17/06/16</a:t>
+              <a:t>27/06/16</a:t>
             </a:fld>
             <a:endParaRPr lang="en-US"/>
           </a:p>
@@ -1777,7 +1779,7 @@
           <a:p>
             <a:fld id="{B01F9CA3-105E-4857-9057-6DB6197DA786}" type="datetimeFigureOut">
               <a:rPr lang="en-US" smtClean="0"/>
-              <a:t>17/06/16</a:t>
+              <a:t>27/06/16</a:t>
             </a:fld>
             <a:endParaRPr lang="en-US"/>
           </a:p>
@@ -2075,7 +2077,7 @@
           <a:p>
             <a:fld id="{B01F9CA3-105E-4857-9057-6DB6197DA786}" type="datetimeFigureOut">
               <a:rPr lang="en-US" smtClean="0"/>
-              <a:t>17/06/16</a:t>
+              <a:t>27/06/16</a:t>
             </a:fld>
             <a:endParaRPr lang="en-US"/>
           </a:p>
@@ -2531,7 +2533,7 @@
           <a:p>
             <a:fld id="{B01F9CA3-105E-4857-9057-6DB6197DA786}" type="datetimeFigureOut">
               <a:rPr lang="en-US" smtClean="0"/>
-              <a:t>17/06/16</a:t>
+              <a:t>27/06/16</a:t>
             </a:fld>
             <a:endParaRPr lang="en-US"/>
           </a:p>
@@ -2644,7 +2646,7 @@
           <a:p>
             <a:fld id="{B01F9CA3-105E-4857-9057-6DB6197DA786}" type="datetimeFigureOut">
               <a:rPr lang="en-US" smtClean="0"/>
-              <a:t>17/06/16</a:t>
+              <a:t>27/06/16</a:t>
             </a:fld>
             <a:endParaRPr lang="en-US"/>
           </a:p>
@@ -2734,7 +2736,7 @@
           <a:p>
             <a:fld id="{B01F9CA3-105E-4857-9057-6DB6197DA786}" type="datetimeFigureOut">
               <a:rPr lang="en-US" smtClean="0"/>
-              <a:t>17/06/16</a:t>
+              <a:t>27/06/16</a:t>
             </a:fld>
             <a:endParaRPr lang="en-US"/>
           </a:p>
@@ -3016,7 +3018,7 @@
           <a:p>
             <a:fld id="{B01F9CA3-105E-4857-9057-6DB6197DA786}" type="datetimeFigureOut">
               <a:rPr lang="en-US" smtClean="0"/>
-              <a:t>17/06/16</a:t>
+              <a:t>27/06/16</a:t>
             </a:fld>
             <a:endParaRPr lang="en-US"/>
           </a:p>
@@ -3222,7 +3224,7 @@
           <a:p>
             <a:fld id="{B01F9CA3-105E-4857-9057-6DB6197DA786}" type="datetimeFigureOut">
               <a:rPr lang="en-US" smtClean="0"/>
-              <a:t>17/06/16</a:t>
+              <a:t>27/06/16</a:t>
             </a:fld>
             <a:endParaRPr lang="en-US"/>
           </a:p>
@@ -3786,10 +3788,10 @@
           <a:p>
             <a:pPr algn="l"/>
             <a:r>
-              <a:rPr lang="en-US" dirty="0" smtClean="0"/>
-              <a:t>Feature #2</a:t>
-            </a:r>
-            <a:endParaRPr lang="en-US" dirty="0"/>
+              <a:rPr lang="en-US" sz="4000" dirty="0" smtClean="0"/>
+              <a:t>Manual Feature Engineering</a:t>
+            </a:r>
+            <a:endParaRPr lang="en-US" sz="4000" dirty="0"/>
           </a:p>
         </p:txBody>
       </p:sp>
@@ -3808,56 +3810,29 @@
           <a:bodyPr/>
           <a:lstStyle/>
           <a:p>
-            <a:pPr marL="0" indent="0">
-              <a:buNone/>
-            </a:pPr>
-            <a:r>
-              <a:rPr lang="en-US" dirty="0" smtClean="0"/>
-              <a:t>Use </a:t>
-            </a:r>
-            <a:r>
-              <a:rPr lang="en-US" b="1" dirty="0" err="1" smtClean="0"/>
-              <a:t>orig_destination_distance</a:t>
-            </a:r>
-            <a:endParaRPr lang="en-US" b="1" dirty="0"/>
-          </a:p>
-          <a:p>
-            <a:endParaRPr lang="en-US" dirty="0" smtClean="0"/>
-          </a:p>
-          <a:p>
-            <a:pPr lvl="1"/>
-            <a:r>
-              <a:rPr lang="en-US" dirty="0" smtClean="0"/>
-              <a:t>There are few records match between test and training dataset based on </a:t>
-            </a:r>
-            <a:r>
-              <a:rPr lang="en-US" dirty="0" err="1" smtClean="0"/>
-              <a:t>orig_destination_distance</a:t>
-            </a:r>
-            <a:endParaRPr lang="en-US" dirty="0" smtClean="0"/>
-          </a:p>
-          <a:p>
-            <a:pPr lvl="1"/>
-            <a:endParaRPr lang="en-US" dirty="0" smtClean="0"/>
-          </a:p>
-          <a:p>
-            <a:pPr lvl="1"/>
-            <a:r>
-              <a:rPr lang="en-US" dirty="0" smtClean="0"/>
-              <a:t>Predict top five clusters using that</a:t>
-            </a:r>
-          </a:p>
-          <a:p>
-            <a:pPr marL="349250" lvl="1" indent="0">
-              <a:buNone/>
-            </a:pPr>
-            <a:endParaRPr lang="en-US" dirty="0" smtClean="0"/>
-          </a:p>
-          <a:p>
-            <a:pPr lvl="1"/>
-            <a:r>
-              <a:rPr lang="en-US" dirty="0" smtClean="0"/>
-              <a:t>Give preference to this feature result as they are appropriate match when compared with feature 1 results.</a:t>
+            <a:r>
+              <a:rPr lang="en-US" dirty="0" smtClean="0"/>
+              <a:t>The basic Machine Language algorithms were not suitable for this problem.</a:t>
+            </a:r>
+          </a:p>
+          <a:p>
+            <a:r>
+              <a:rPr lang="en-US" dirty="0" smtClean="0"/>
+              <a:t>However, </a:t>
+            </a:r>
+            <a:r>
+              <a:rPr lang="en-US" dirty="0"/>
+              <a:t>w</a:t>
+            </a:r>
+            <a:r>
+              <a:rPr lang="en-US" dirty="0" smtClean="0"/>
+              <a:t>e have identified some dependent variables which are significant.</a:t>
+            </a:r>
+          </a:p>
+          <a:p>
+            <a:r>
+              <a:rPr lang="en-US" dirty="0" smtClean="0"/>
+              <a:t>Let’s derive features using them and predict the hotel cluster.</a:t>
             </a:r>
             <a:endParaRPr lang="en-US" dirty="0"/>
           </a:p>
@@ -3866,7 +3841,7 @@
     </p:spTree>
     <p:extLst>
       <p:ext uri="{BB962C8B-B14F-4D97-AF65-F5344CB8AC3E}">
-        <p14:creationId xmlns:p14="http://schemas.microsoft.com/office/powerpoint/2010/main" val="266146227"/>
+        <p14:creationId xmlns:p14="http://schemas.microsoft.com/office/powerpoint/2010/main" val="2481797352"/>
       </p:ext>
     </p:extLst>
   </p:cSld>
@@ -3917,6 +3892,297 @@
           <a:p>
             <a:pPr algn="l"/>
             <a:r>
+              <a:rPr lang="en-US" sz="4000" dirty="0" smtClean="0"/>
+              <a:t>Feature #1  </a:t>
+            </a:r>
+            <a:endParaRPr lang="en-US" sz="4000" dirty="0"/>
+          </a:p>
+        </p:txBody>
+      </p:sp>
+      <p:sp>
+        <p:nvSpPr>
+          <p:cNvPr id="3" name="Content Placeholder 2"/>
+          <p:cNvSpPr>
+            <a:spLocks noGrp="1"/>
+          </p:cNvSpPr>
+          <p:nvPr>
+            <p:ph idx="1"/>
+          </p:nvPr>
+        </p:nvSpPr>
+        <p:spPr/>
+        <p:txBody>
+          <a:bodyPr/>
+          <a:lstStyle/>
+          <a:p>
+            <a:pPr marL="0" indent="0">
+              <a:buNone/>
+            </a:pPr>
+            <a:r>
+              <a:rPr lang="en-US" dirty="0" smtClean="0"/>
+              <a:t>Identify often used hotel clusters</a:t>
+            </a:r>
+          </a:p>
+          <a:p>
+            <a:pPr marL="0" indent="0">
+              <a:buNone/>
+            </a:pPr>
+            <a:endParaRPr lang="en-US" dirty="0" smtClean="0"/>
+          </a:p>
+          <a:p>
+            <a:pPr lvl="1"/>
+            <a:r>
+              <a:rPr lang="en-US" dirty="0" smtClean="0"/>
+              <a:t>For a given destination, identify the often used top five hotel clusters</a:t>
+            </a:r>
+          </a:p>
+          <a:p>
+            <a:pPr marL="349250" lvl="1" indent="0">
+              <a:buNone/>
+            </a:pPr>
+            <a:endParaRPr lang="en-US" dirty="0" smtClean="0"/>
+          </a:p>
+          <a:p>
+            <a:pPr lvl="1"/>
+            <a:r>
+              <a:rPr lang="en-US" dirty="0" smtClean="0"/>
+              <a:t>Also, give importance to </a:t>
+            </a:r>
+            <a:r>
+              <a:rPr lang="en-US" b="1" dirty="0" err="1" smtClean="0"/>
+              <a:t>is_booking</a:t>
+            </a:r>
+            <a:r>
+              <a:rPr lang="en-US" dirty="0" smtClean="0"/>
+              <a:t> </a:t>
+            </a:r>
+          </a:p>
+          <a:p>
+            <a:pPr lvl="2"/>
+            <a:r>
+              <a:rPr lang="en-US" dirty="0" smtClean="0"/>
+              <a:t>If </a:t>
+            </a:r>
+            <a:r>
+              <a:rPr lang="en-US" dirty="0" err="1" smtClean="0"/>
+              <a:t>is_booking</a:t>
+            </a:r>
+            <a:r>
+              <a:rPr lang="en-US" dirty="0" smtClean="0"/>
+              <a:t> is 1, give weightage as 1</a:t>
+            </a:r>
+          </a:p>
+          <a:p>
+            <a:pPr lvl="2"/>
+            <a:r>
+              <a:rPr lang="en-US" dirty="0" smtClean="0"/>
+              <a:t>If </a:t>
+            </a:r>
+            <a:r>
+              <a:rPr lang="en-US" dirty="0" err="1" smtClean="0"/>
+              <a:t>is_booking</a:t>
+            </a:r>
+            <a:r>
+              <a:rPr lang="en-US" dirty="0" smtClean="0"/>
+              <a:t> is 0, give weightage as 0.15</a:t>
+            </a:r>
+          </a:p>
+          <a:p>
+            <a:pPr lvl="1"/>
+            <a:endParaRPr lang="en-US" dirty="0" smtClean="0"/>
+          </a:p>
+          <a:p>
+            <a:pPr marL="0" indent="0">
+              <a:buNone/>
+            </a:pPr>
+            <a:endParaRPr lang="en-US" dirty="0"/>
+          </a:p>
+        </p:txBody>
+      </p:sp>
+    </p:spTree>
+    <p:extLst>
+      <p:ext uri="{BB962C8B-B14F-4D97-AF65-F5344CB8AC3E}">
+        <p14:creationId xmlns:p14="http://schemas.microsoft.com/office/powerpoint/2010/main" val="2857120481"/>
+      </p:ext>
+    </p:extLst>
+  </p:cSld>
+  <p:clrMapOvr>
+    <a:masterClrMapping/>
+  </p:clrMapOvr>
+  <p:timing>
+    <p:tnLst>
+      <p:par>
+        <p:cTn xmlns:p14="http://schemas.microsoft.com/office/powerpoint/2010/main" id="1" dur="indefinite" restart="never" nodeType="tmRoot"/>
+      </p:par>
+    </p:tnLst>
+  </p:timing>
+</p:sld>
+</file>
+
+<file path=ppt/slides/slide12.xml><?xml version="1.0" encoding="utf-8"?>
+<p:sld xmlns:a="http://schemas.openxmlformats.org/drawingml/2006/main" xmlns:r="http://schemas.openxmlformats.org/officeDocument/2006/relationships" xmlns:p="http://schemas.openxmlformats.org/presentationml/2006/main">
+  <p:cSld>
+    <p:spTree>
+      <p:nvGrpSpPr>
+        <p:cNvPr id="1" name=""/>
+        <p:cNvGrpSpPr/>
+        <p:nvPr/>
+      </p:nvGrpSpPr>
+      <p:grpSpPr>
+        <a:xfrm>
+          <a:off x="0" y="0"/>
+          <a:ext cx="0" cy="0"/>
+          <a:chOff x="0" y="0"/>
+          <a:chExt cx="0" cy="0"/>
+        </a:xfrm>
+      </p:grpSpPr>
+      <p:sp>
+        <p:nvSpPr>
+          <p:cNvPr id="2" name="Title 1"/>
+          <p:cNvSpPr>
+            <a:spLocks noGrp="1"/>
+          </p:cNvSpPr>
+          <p:nvPr>
+            <p:ph type="title"/>
+          </p:nvPr>
+        </p:nvSpPr>
+        <p:spPr/>
+        <p:txBody>
+          <a:bodyPr/>
+          <a:lstStyle/>
+          <a:p>
+            <a:pPr algn="l"/>
+            <a:r>
+              <a:rPr lang="en-US" dirty="0" smtClean="0"/>
+              <a:t>Feature #2</a:t>
+            </a:r>
+            <a:endParaRPr lang="en-US" dirty="0"/>
+          </a:p>
+        </p:txBody>
+      </p:sp>
+      <p:sp>
+        <p:nvSpPr>
+          <p:cNvPr id="3" name="Content Placeholder 2"/>
+          <p:cNvSpPr>
+            <a:spLocks noGrp="1"/>
+          </p:cNvSpPr>
+          <p:nvPr>
+            <p:ph idx="1"/>
+          </p:nvPr>
+        </p:nvSpPr>
+        <p:spPr/>
+        <p:txBody>
+          <a:bodyPr/>
+          <a:lstStyle/>
+          <a:p>
+            <a:pPr marL="0" indent="0">
+              <a:buNone/>
+            </a:pPr>
+            <a:r>
+              <a:rPr lang="en-US" dirty="0" smtClean="0"/>
+              <a:t>Use </a:t>
+            </a:r>
+            <a:r>
+              <a:rPr lang="en-US" b="1" dirty="0" err="1" smtClean="0"/>
+              <a:t>orig_destination_distance</a:t>
+            </a:r>
+            <a:endParaRPr lang="en-US" b="1" dirty="0"/>
+          </a:p>
+          <a:p>
+            <a:endParaRPr lang="en-US" dirty="0" smtClean="0"/>
+          </a:p>
+          <a:p>
+            <a:pPr lvl="1"/>
+            <a:r>
+              <a:rPr lang="en-US" dirty="0" smtClean="0"/>
+              <a:t>There are few records match between test and training dataset based on </a:t>
+            </a:r>
+            <a:r>
+              <a:rPr lang="en-US" dirty="0" err="1" smtClean="0"/>
+              <a:t>orig_destination_distance</a:t>
+            </a:r>
+            <a:endParaRPr lang="en-US" dirty="0" smtClean="0"/>
+          </a:p>
+          <a:p>
+            <a:pPr lvl="1"/>
+            <a:endParaRPr lang="en-US" dirty="0" smtClean="0"/>
+          </a:p>
+          <a:p>
+            <a:pPr lvl="1"/>
+            <a:r>
+              <a:rPr lang="en-US" dirty="0" smtClean="0"/>
+              <a:t>Predict top five clusters using that</a:t>
+            </a:r>
+          </a:p>
+          <a:p>
+            <a:pPr marL="349250" lvl="1" indent="0">
+              <a:buNone/>
+            </a:pPr>
+            <a:endParaRPr lang="en-US" dirty="0" smtClean="0"/>
+          </a:p>
+          <a:p>
+            <a:pPr lvl="1"/>
+            <a:r>
+              <a:rPr lang="en-US" dirty="0" smtClean="0"/>
+              <a:t>Give preference to this feature result as they are appropriate match when compared with feature 1 results.</a:t>
+            </a:r>
+            <a:endParaRPr lang="en-US" dirty="0"/>
+          </a:p>
+        </p:txBody>
+      </p:sp>
+    </p:spTree>
+    <p:extLst>
+      <p:ext uri="{BB962C8B-B14F-4D97-AF65-F5344CB8AC3E}">
+        <p14:creationId xmlns:p14="http://schemas.microsoft.com/office/powerpoint/2010/main" val="266146227"/>
+      </p:ext>
+    </p:extLst>
+  </p:cSld>
+  <p:clrMapOvr>
+    <a:masterClrMapping/>
+  </p:clrMapOvr>
+  <p:timing>
+    <p:tnLst>
+      <p:par>
+        <p:cTn xmlns:p14="http://schemas.microsoft.com/office/powerpoint/2010/main" id="1" dur="indefinite" restart="never" nodeType="tmRoot"/>
+      </p:par>
+    </p:tnLst>
+  </p:timing>
+</p:sld>
+</file>
+
+<file path=ppt/slides/slide13.xml><?xml version="1.0" encoding="utf-8"?>
+<p:sld xmlns:a="http://schemas.openxmlformats.org/drawingml/2006/main" xmlns:r="http://schemas.openxmlformats.org/officeDocument/2006/relationships" xmlns:p="http://schemas.openxmlformats.org/presentationml/2006/main">
+  <p:cSld>
+    <p:spTree>
+      <p:nvGrpSpPr>
+        <p:cNvPr id="1" name=""/>
+        <p:cNvGrpSpPr/>
+        <p:nvPr/>
+      </p:nvGrpSpPr>
+      <p:grpSpPr>
+        <a:xfrm>
+          <a:off x="0" y="0"/>
+          <a:ext cx="0" cy="0"/>
+          <a:chOff x="0" y="0"/>
+          <a:chExt cx="0" cy="0"/>
+        </a:xfrm>
+      </p:grpSpPr>
+      <p:sp>
+        <p:nvSpPr>
+          <p:cNvPr id="2" name="Title 1"/>
+          <p:cNvSpPr>
+            <a:spLocks noGrp="1"/>
+          </p:cNvSpPr>
+          <p:nvPr>
+            <p:ph type="title"/>
+          </p:nvPr>
+        </p:nvSpPr>
+        <p:spPr/>
+        <p:txBody>
+          <a:bodyPr/>
+          <a:lstStyle/>
+          <a:p>
+            <a:pPr algn="l"/>
+            <a:r>
               <a:rPr lang="en-US" dirty="0" smtClean="0"/>
               <a:t>Results</a:t>
             </a:r>
@@ -3997,7 +4263,7 @@
 </p:sld>
 </file>
 
-<file path=ppt/slides/slide12.xml><?xml version="1.0" encoding="utf-8"?>
+<file path=ppt/slides/slide14.xml><?xml version="1.0" encoding="utf-8"?>
 <p:sld xmlns:a="http://schemas.openxmlformats.org/drawingml/2006/main" xmlns:r="http://schemas.openxmlformats.org/officeDocument/2006/relationships" xmlns:p="http://schemas.openxmlformats.org/presentationml/2006/main">
   <p:cSld>
     <p:spTree>
@@ -4116,7 +4382,7 @@
 </p:sld>
 </file>
 
-<file path=ppt/slides/slide13.xml><?xml version="1.0" encoding="utf-8"?>
+<file path=ppt/slides/slide15.xml><?xml version="1.0" encoding="utf-8"?>
 <p:sld xmlns:a="http://schemas.openxmlformats.org/drawingml/2006/main" xmlns:r="http://schemas.openxmlformats.org/officeDocument/2006/relationships" xmlns:p="http://schemas.openxmlformats.org/presentationml/2006/main">
   <p:cSld>
     <p:spTree>
@@ -4208,7 +4474,7 @@
 </p:sld>
 </file>
 
-<file path=ppt/slides/slide14.xml><?xml version="1.0" encoding="utf-8"?>
+<file path=ppt/slides/slide16.xml><?xml version="1.0" encoding="utf-8"?>
 <p:sld xmlns:a="http://schemas.openxmlformats.org/drawingml/2006/main" xmlns:r="http://schemas.openxmlformats.org/officeDocument/2006/relationships" xmlns:p="http://schemas.openxmlformats.org/presentationml/2006/main">
   <p:cSld>
     <p:spTree>
@@ -4824,12 +5090,12 @@
           <a:graphicData uri="http://schemas.openxmlformats.org/presentationml/2006/ole">
             <mc:AlternateContent xmlns:mc="http://schemas.openxmlformats.org/markup-compatibility/2006">
               <mc:Choice xmlns:v="urn:schemas-microsoft-com:vml" Requires="v">
-                <p:oleObj spid="_x0000_s1045" name="Worksheet" r:id="rId3" imgW="6350000" imgH="2298700" progId="Excel.Sheet.12">
+                <p:oleObj spid="_x0000_s1047" name="Worksheet" r:id="rId4" imgW="6350000" imgH="2298700" progId="Excel.Sheet.12">
                   <p:embed/>
                 </p:oleObj>
               </mc:Choice>
               <mc:Fallback>
-                <p:oleObj name="Worksheet" r:id="rId3" imgW="6350000" imgH="2298700" progId="Excel.Sheet.12">
+                <p:oleObj name="Worksheet" r:id="rId4" imgW="6350000" imgH="2298700" progId="Excel.Sheet.12">
                   <p:embed/>
                   <p:pic>
                     <p:nvPicPr>
@@ -4838,7 +5104,7 @@
                       <p:nvPr/>
                     </p:nvPicPr>
                     <p:blipFill>
-                      <a:blip r:embed="rId4"/>
+                      <a:blip r:embed="rId5"/>
                       <a:stretch>
                         <a:fillRect/>
                       </a:stretch>
@@ -4914,123 +5180,68 @@
             <a:pPr algn="l"/>
             <a:r>
               <a:rPr lang="en-US" dirty="0" smtClean="0"/>
-              <a:t>EDA, Model</a:t>
+              <a:t>EDA </a:t>
             </a:r>
             <a:endParaRPr lang="en-US" dirty="0"/>
           </a:p>
         </p:txBody>
       </p:sp>
-      <p:sp>
-        <p:nvSpPr>
-          <p:cNvPr id="3" name="Content Placeholder 2"/>
-          <p:cNvSpPr>
-            <a:spLocks noGrp="1"/>
-          </p:cNvSpPr>
+      <p:pic>
+        <p:nvPicPr>
+          <p:cNvPr id="4" name="Content Placeholder 3" descr="hotel.png"/>
+          <p:cNvPicPr>
+            <a:picLocks noGrp="1" noChangeAspect="1"/>
+          </p:cNvPicPr>
           <p:nvPr>
             <p:ph idx="1"/>
           </p:nvPr>
-        </p:nvSpPr>
-        <p:spPr/>
-        <p:txBody>
-          <a:bodyPr/>
-          <a:lstStyle/>
-          <a:p>
-            <a:r>
-              <a:rPr lang="en-US" dirty="0"/>
-              <a:t>By plotting, no </a:t>
-            </a:r>
-            <a:r>
-              <a:rPr lang="en-US" dirty="0" smtClean="0"/>
-              <a:t>pattern/ correlation </a:t>
-            </a:r>
-            <a:r>
-              <a:rPr lang="en-US" dirty="0"/>
-              <a:t>was found between the dependent and independent variables</a:t>
-            </a:r>
-            <a:r>
-              <a:rPr lang="en-US" dirty="0" smtClean="0"/>
-              <a:t>.</a:t>
-            </a:r>
-          </a:p>
-          <a:p>
-            <a:endParaRPr lang="en-US" dirty="0"/>
-          </a:p>
-          <a:p>
-            <a:r>
-              <a:rPr lang="en-US" dirty="0" smtClean="0"/>
-              <a:t>Linear Regression Model</a:t>
-            </a:r>
-          </a:p>
-          <a:p>
-            <a:pPr lvl="1"/>
-            <a:r>
-              <a:rPr lang="en-US" dirty="0" smtClean="0"/>
-              <a:t>The </a:t>
-            </a:r>
-            <a:r>
-              <a:rPr lang="en-US" dirty="0"/>
-              <a:t>R-squared value was negligible = </a:t>
-            </a:r>
-            <a:r>
-              <a:rPr lang="en-US" dirty="0" smtClean="0"/>
-              <a:t>0.005</a:t>
-            </a:r>
-          </a:p>
-          <a:p>
-            <a:pPr lvl="1"/>
-            <a:r>
-              <a:rPr lang="en-US" dirty="0" smtClean="0"/>
-              <a:t>However, </a:t>
-            </a:r>
-            <a:r>
-              <a:rPr lang="en-US" dirty="0"/>
-              <a:t>the </a:t>
-            </a:r>
-            <a:r>
-              <a:rPr lang="en-US" dirty="0" smtClean="0"/>
-              <a:t>dependent </a:t>
-            </a:r>
-            <a:r>
-              <a:rPr lang="en-US" dirty="0"/>
-              <a:t>variables </a:t>
-            </a:r>
-            <a:r>
-              <a:rPr lang="en-US" b="1" dirty="0" err="1"/>
-              <a:t>is_booking</a:t>
-            </a:r>
-            <a:r>
-              <a:rPr lang="en-US" dirty="0"/>
-              <a:t>, </a:t>
-            </a:r>
-            <a:r>
-              <a:rPr lang="en-US" dirty="0" smtClean="0"/>
-              <a:t>and </a:t>
-            </a:r>
-            <a:r>
-              <a:rPr lang="en-US" b="1" dirty="0" err="1" smtClean="0"/>
-              <a:t>is_package</a:t>
-            </a:r>
-            <a:r>
-              <a:rPr lang="en-US" dirty="0" smtClean="0"/>
-              <a:t> had coefficients </a:t>
-            </a:r>
-            <a:r>
-              <a:rPr lang="en-US" dirty="0"/>
-              <a:t>which </a:t>
-            </a:r>
-            <a:r>
-              <a:rPr lang="en-US" dirty="0" smtClean="0"/>
-              <a:t>were significant . </a:t>
-            </a:r>
-          </a:p>
-          <a:p>
-            <a:pPr lvl="1"/>
-            <a:endParaRPr lang="en-US" dirty="0"/>
-          </a:p>
-          <a:p>
-            <a:pPr marL="349250" lvl="1" indent="0">
-              <a:buNone/>
-            </a:pPr>
+        </p:nvPicPr>
+        <p:blipFill>
+          <a:blip r:embed="rId2">
+            <a:extLst>
+              <a:ext uri="{28A0092B-C50C-407E-A947-70E740481C1C}">
+                <a14:useLocalDpi xmlns:a14="http://schemas.microsoft.com/office/drawing/2010/main" val="0"/>
+              </a:ext>
+            </a:extLst>
+          </a:blip>
+          <a:srcRect t="4318" b="4318"/>
+          <a:stretch>
+            <a:fillRect/>
+          </a:stretch>
+        </p:blipFill>
+        <p:spPr>
+          <a:xfrm>
+            <a:off x="617550" y="1955231"/>
+            <a:ext cx="8042276" cy="4476076"/>
+          </a:xfrm>
+        </p:spPr>
+      </p:pic>
+      <p:sp>
+        <p:nvSpPr>
+          <p:cNvPr id="5" name="TextBox 4"/>
+          <p:cNvSpPr txBox="1"/>
+          <p:nvPr/>
+        </p:nvSpPr>
+        <p:spPr>
+          <a:xfrm>
+            <a:off x="617549" y="1444532"/>
+            <a:ext cx="7974001" cy="369332"/>
+          </a:xfrm>
+          <a:prstGeom prst="rect">
+            <a:avLst/>
+          </a:prstGeom>
+          <a:noFill/>
+        </p:spPr>
+        <p:txBody>
+          <a:bodyPr wrap="square" rtlCol="0">
+            <a:spAutoFit/>
+          </a:bodyPr>
+          <a:lstStyle/>
+          <a:p>
+            <a:r>
+              <a:rPr lang="en-US" dirty="0" smtClean="0"/>
+              <a:t>Source and Destination continent spread</a:t>
+            </a:r>
             <a:endParaRPr lang="en-US" dirty="0"/>
           </a:p>
         </p:txBody>
@@ -5038,20 +5249,13 @@
     </p:spTree>
     <p:extLst>
       <p:ext uri="{BB962C8B-B14F-4D97-AF65-F5344CB8AC3E}">
-        <p14:creationId xmlns:p14="http://schemas.microsoft.com/office/powerpoint/2010/main" val="1705634160"/>
+        <p14:creationId xmlns:p14="http://schemas.microsoft.com/office/powerpoint/2010/main" val="2056855901"/>
       </p:ext>
     </p:extLst>
   </p:cSld>
   <p:clrMapOvr>
     <a:masterClrMapping/>
   </p:clrMapOvr>
-  <p:timing>
-    <p:tnLst>
-      <p:par>
-        <p:cTn xmlns:p14="http://schemas.microsoft.com/office/powerpoint/2010/main" id="1" dur="indefinite" restart="never" nodeType="tmRoot"/>
-      </p:par>
-    </p:tnLst>
-  </p:timing>
 </p:sld>
 </file>
 
@@ -5090,85 +5294,82 @@
             <a:pPr algn="l"/>
             <a:r>
               <a:rPr lang="en-US" dirty="0" smtClean="0"/>
-              <a:t>EDA, Model (2)</a:t>
+              <a:t>EDA (2)</a:t>
             </a:r>
             <a:endParaRPr lang="en-US" dirty="0"/>
           </a:p>
         </p:txBody>
       </p:sp>
-      <p:sp>
-        <p:nvSpPr>
-          <p:cNvPr id="3" name="Content Placeholder 2"/>
-          <p:cNvSpPr>
-            <a:spLocks noGrp="1"/>
-          </p:cNvSpPr>
+      <p:pic>
+        <p:nvPicPr>
+          <p:cNvPr id="4" name="Content Placeholder 3" descr="hotel_cluster.png"/>
+          <p:cNvPicPr>
+            <a:picLocks noGrp="1" noChangeAspect="1"/>
+          </p:cNvPicPr>
           <p:nvPr>
             <p:ph idx="1"/>
           </p:nvPr>
-        </p:nvSpPr>
-        <p:spPr/>
-        <p:txBody>
-          <a:bodyPr/>
-          <a:lstStyle/>
-          <a:p>
-            <a:r>
-              <a:rPr lang="en-US" dirty="0" smtClean="0"/>
-              <a:t>CART ( Classification And Regression Tree)</a:t>
-            </a:r>
-          </a:p>
-          <a:p>
-            <a:pPr lvl="1"/>
-            <a:r>
-              <a:rPr lang="en-US" dirty="0" smtClean="0"/>
-              <a:t>Unable to build tree beyond root node</a:t>
-            </a:r>
-          </a:p>
-          <a:p>
-            <a:pPr lvl="1"/>
-            <a:r>
-              <a:rPr lang="en-US" dirty="0" smtClean="0"/>
-              <a:t>The CP ( Complexity factor) was negligible 0.006</a:t>
-            </a:r>
-          </a:p>
-          <a:p>
-            <a:pPr lvl="1"/>
+        </p:nvPicPr>
+        <p:blipFill>
+          <a:blip r:embed="rId2">
+            <a:extLst>
+              <a:ext uri="{28A0092B-C50C-407E-A947-70E740481C1C}">
+                <a14:useLocalDpi xmlns:a14="http://schemas.microsoft.com/office/drawing/2010/main" val="0"/>
+              </a:ext>
+            </a:extLst>
+          </a:blip>
+          <a:srcRect t="4318" b="4318"/>
+          <a:stretch>
+            <a:fillRect/>
+          </a:stretch>
+        </p:blipFill>
+        <p:spPr>
+          <a:xfrm>
+            <a:off x="603895" y="2078126"/>
+            <a:ext cx="8042276" cy="4343400"/>
+          </a:xfrm>
+        </p:spPr>
+      </p:pic>
+      <p:sp>
+        <p:nvSpPr>
+          <p:cNvPr id="5" name="TextBox 4"/>
+          <p:cNvSpPr txBox="1"/>
+          <p:nvPr/>
+        </p:nvSpPr>
+        <p:spPr>
+          <a:xfrm>
+            <a:off x="603895" y="1611237"/>
+            <a:ext cx="7987656" cy="369332"/>
+          </a:xfrm>
+          <a:prstGeom prst="rect">
+            <a:avLst/>
+          </a:prstGeom>
+          <a:noFill/>
+        </p:spPr>
+        <p:txBody>
+          <a:bodyPr wrap="square" rtlCol="0">
+            <a:spAutoFit/>
+          </a:bodyPr>
+          <a:lstStyle/>
+          <a:p>
+            <a:r>
+              <a:rPr lang="en-US" dirty="0" smtClean="0"/>
+              <a:t>Hotel Cluster spread</a:t>
+            </a:r>
             <a:endParaRPr lang="en-US" dirty="0"/>
-          </a:p>
-          <a:p>
-            <a:r>
-              <a:rPr lang="en-US" dirty="0" smtClean="0"/>
-              <a:t>The detailed analysis report is available at </a:t>
-            </a:r>
-            <a:r>
-              <a:rPr lang="en-US" dirty="0" smtClean="0">
-                <a:hlinkClick r:id="rId2"/>
-              </a:rPr>
-              <a:t>https://github.com/abalaji-blr/CapstoneProject/tree/master/Deliverables/ExpediaHotelReco.pdf</a:t>
-            </a:r>
-            <a:r>
-              <a:rPr lang="en-US" dirty="0" smtClean="0"/>
-              <a:t>.</a:t>
-            </a:r>
           </a:p>
         </p:txBody>
       </p:sp>
     </p:spTree>
     <p:extLst>
       <p:ext uri="{BB962C8B-B14F-4D97-AF65-F5344CB8AC3E}">
-        <p14:creationId xmlns:p14="http://schemas.microsoft.com/office/powerpoint/2010/main" val="1015793203"/>
+        <p14:creationId xmlns:p14="http://schemas.microsoft.com/office/powerpoint/2010/main" val="3718499450"/>
       </p:ext>
     </p:extLst>
   </p:cSld>
   <p:clrMapOvr>
     <a:masterClrMapping/>
   </p:clrMapOvr>
-  <p:timing>
-    <p:tnLst>
-      <p:par>
-        <p:cTn xmlns:p14="http://schemas.microsoft.com/office/powerpoint/2010/main" id="1" dur="indefinite" restart="never" nodeType="tmRoot"/>
-      </p:par>
-    </p:tnLst>
-  </p:timing>
 </p:sld>
 </file>
 
@@ -5206,10 +5407,10 @@
           <a:p>
             <a:pPr algn="l"/>
             <a:r>
-              <a:rPr lang="en-US" sz="4000" dirty="0" smtClean="0"/>
-              <a:t>Manual Feature Engineering</a:t>
-            </a:r>
-            <a:endParaRPr lang="en-US" sz="4000" dirty="0"/>
+              <a:rPr lang="en-US" dirty="0" smtClean="0"/>
+              <a:t>EDA, Model</a:t>
+            </a:r>
+            <a:endParaRPr lang="en-US" dirty="0"/>
           </a:p>
         </p:txBody>
       </p:sp>
@@ -5229,29 +5430,101 @@
           <a:lstStyle/>
           <a:p>
             <a:r>
-              <a:rPr lang="en-US" dirty="0" smtClean="0"/>
-              <a:t>The basic Machine Language algorithms were not suitable for this problem.</a:t>
-            </a:r>
-          </a:p>
-          <a:p>
+              <a:rPr lang="en-US" dirty="0"/>
+              <a:t>By plotting, no </a:t>
+            </a:r>
+            <a:r>
+              <a:rPr lang="en-US" dirty="0" smtClean="0"/>
+              <a:t>pattern/ correlation </a:t>
+            </a:r>
+            <a:r>
+              <a:rPr lang="en-US" dirty="0"/>
+              <a:t>was found between the dependent and independent variables</a:t>
+            </a:r>
+            <a:r>
+              <a:rPr lang="en-US" dirty="0" smtClean="0"/>
+              <a:t>.</a:t>
+            </a:r>
+          </a:p>
+          <a:p>
+            <a:endParaRPr lang="en-US" dirty="0"/>
+          </a:p>
+          <a:p>
+            <a:r>
+              <a:rPr lang="en-US" dirty="0" smtClean="0"/>
+              <a:t>Linear Regression Model</a:t>
+            </a:r>
+          </a:p>
+          <a:p>
+            <a:pPr lvl="1"/>
+            <a:r>
+              <a:rPr lang="en-US" dirty="0" smtClean="0"/>
+              <a:t>The </a:t>
+            </a:r>
+            <a:r>
+              <a:rPr lang="en-US" dirty="0"/>
+              <a:t>R-squared value was negligible = </a:t>
+            </a:r>
+            <a:r>
+              <a:rPr lang="en-US" dirty="0" smtClean="0"/>
+              <a:t>0.005</a:t>
+            </a:r>
+          </a:p>
+          <a:p>
+            <a:pPr lvl="1"/>
             <a:r>
               <a:rPr lang="en-US" dirty="0" smtClean="0"/>
               <a:t>However, </a:t>
             </a:r>
             <a:r>
               <a:rPr lang="en-US" dirty="0"/>
-              <a:t>w</a:t>
-            </a:r>
-            <a:r>
-              <a:rPr lang="en-US" dirty="0" smtClean="0"/>
-              <a:t>e have identified some dependent variables which are significant.</a:t>
-            </a:r>
-          </a:p>
-          <a:p>
-            <a:r>
-              <a:rPr lang="en-US" dirty="0" smtClean="0"/>
-              <a:t>Let’s derive features using them and predict the hotel cluster.</a:t>
-            </a:r>
+              <a:t>the </a:t>
+            </a:r>
+            <a:r>
+              <a:rPr lang="en-US" dirty="0" smtClean="0"/>
+              <a:t>dependent </a:t>
+            </a:r>
+            <a:r>
+              <a:rPr lang="en-US" dirty="0"/>
+              <a:t>variables </a:t>
+            </a:r>
+            <a:r>
+              <a:rPr lang="en-US" b="1" dirty="0" err="1"/>
+              <a:t>is_booking</a:t>
+            </a:r>
+            <a:r>
+              <a:rPr lang="en-US" dirty="0"/>
+              <a:t>, </a:t>
+            </a:r>
+            <a:r>
+              <a:rPr lang="en-US" dirty="0" smtClean="0"/>
+              <a:t>and </a:t>
+            </a:r>
+            <a:r>
+              <a:rPr lang="en-US" b="1" dirty="0" err="1" smtClean="0"/>
+              <a:t>is_package</a:t>
+            </a:r>
+            <a:r>
+              <a:rPr lang="en-US" dirty="0" smtClean="0"/>
+              <a:t> had coefficients </a:t>
+            </a:r>
+            <a:r>
+              <a:rPr lang="en-US" dirty="0"/>
+              <a:t>which </a:t>
+            </a:r>
+            <a:r>
+              <a:rPr lang="en-US" dirty="0" smtClean="0"/>
+              <a:t>were significant . </a:t>
+            </a:r>
+          </a:p>
+          <a:p>
+            <a:pPr lvl="1"/>
+            <a:endParaRPr lang="en-US" dirty="0"/>
+          </a:p>
+          <a:p>
+            <a:pPr marL="349250" lvl="1" indent="0">
+              <a:buNone/>
+            </a:pPr>
             <a:endParaRPr lang="en-US" dirty="0"/>
           </a:p>
         </p:txBody>
@@ -5259,7 +5532,7 @@
     </p:spTree>
     <p:extLst>
       <p:ext uri="{BB962C8B-B14F-4D97-AF65-F5344CB8AC3E}">
-        <p14:creationId xmlns:p14="http://schemas.microsoft.com/office/powerpoint/2010/main" val="2481797352"/>
+        <p14:creationId xmlns:p14="http://schemas.microsoft.com/office/powerpoint/2010/main" val="1705634160"/>
       </p:ext>
     </p:extLst>
   </p:cSld>
@@ -5310,10 +5583,10 @@
           <a:p>
             <a:pPr algn="l"/>
             <a:r>
-              <a:rPr lang="en-US" sz="4000" dirty="0" smtClean="0"/>
-              <a:t>Feature #1  </a:t>
-            </a:r>
-            <a:endParaRPr lang="en-US" sz="4000" dirty="0"/>
+              <a:rPr lang="en-US" dirty="0" smtClean="0"/>
+              <a:t>EDA, Model (2)</a:t>
+            </a:r>
+            <a:endParaRPr lang="en-US" dirty="0"/>
           </a:p>
         </p:txBody>
       </p:sp>
@@ -5332,94 +5605,51 @@
           <a:bodyPr/>
           <a:lstStyle/>
           <a:p>
-            <a:pPr marL="0" indent="0">
-              <a:buNone/>
-            </a:pPr>
-            <a:r>
-              <a:rPr lang="en-US" dirty="0" smtClean="0"/>
-              <a:t>Identify often used hotel clusters</a:t>
-            </a:r>
-          </a:p>
-          <a:p>
-            <a:pPr marL="0" indent="0">
-              <a:buNone/>
-            </a:pPr>
-            <a:endParaRPr lang="en-US" dirty="0" smtClean="0"/>
+            <a:r>
+              <a:rPr lang="en-US" dirty="0" smtClean="0"/>
+              <a:t>CART ( Classification And Regression Tree)</a:t>
+            </a:r>
           </a:p>
           <a:p>
             <a:pPr lvl="1"/>
             <a:r>
               <a:rPr lang="en-US" dirty="0" smtClean="0"/>
-              <a:t>For a given destination, identify the often used top five hotel clusters</a:t>
-            </a:r>
-          </a:p>
-          <a:p>
-            <a:pPr marL="349250" lvl="1" indent="0">
-              <a:buNone/>
-            </a:pPr>
-            <a:endParaRPr lang="en-US" dirty="0" smtClean="0"/>
+              <a:t>Unable to build tree beyond root node</a:t>
+            </a:r>
           </a:p>
           <a:p>
             <a:pPr lvl="1"/>
             <a:r>
               <a:rPr lang="en-US" dirty="0" smtClean="0"/>
-              <a:t>Also, give importance to </a:t>
-            </a:r>
-            <a:r>
-              <a:rPr lang="en-US" b="1" dirty="0" err="1" smtClean="0"/>
-              <a:t>is_booking</a:t>
-            </a:r>
-            <a:r>
-              <a:rPr lang="en-US" dirty="0" smtClean="0"/>
-              <a:t> </a:t>
-            </a:r>
-          </a:p>
-          <a:p>
-            <a:pPr lvl="2"/>
-            <a:r>
-              <a:rPr lang="en-US" dirty="0" smtClean="0"/>
-              <a:t>If </a:t>
-            </a:r>
-            <a:r>
-              <a:rPr lang="en-US" dirty="0" err="1" smtClean="0"/>
-              <a:t>is_booking</a:t>
-            </a:r>
-            <a:r>
-              <a:rPr lang="en-US" dirty="0" smtClean="0"/>
-              <a:t> is 1, give weightage as 1</a:t>
-            </a:r>
-          </a:p>
-          <a:p>
-            <a:pPr lvl="2"/>
-            <a:r>
-              <a:rPr lang="en-US" dirty="0" smtClean="0"/>
-              <a:t>If </a:t>
-            </a:r>
-            <a:r>
-              <a:rPr lang="en-US" dirty="0" err="1" smtClean="0"/>
-              <a:t>is_booking</a:t>
-            </a:r>
-            <a:r>
-              <a:rPr lang="en-US" dirty="0" smtClean="0"/>
-              <a:t> is 0, give weightage as 0.15</a:t>
+              <a:t>The CP ( Complexity factor) was negligible 0.006</a:t>
             </a:r>
           </a:p>
           <a:p>
             <a:pPr lvl="1"/>
-            <a:endParaRPr lang="en-US" dirty="0" smtClean="0"/>
-          </a:p>
-          <a:p>
-            <a:pPr marL="0" indent="0">
-              <a:buNone/>
-            </a:pPr>
             <a:endParaRPr lang="en-US" dirty="0"/>
+          </a:p>
+          <a:p>
+            <a:r>
+              <a:rPr lang="en-US" dirty="0" smtClean="0"/>
+              <a:t>The detailed analysis report is available at </a:t>
+            </a:r>
+            <a:r>
+              <a:rPr lang="en-US" dirty="0" smtClean="0">
+                <a:hlinkClick r:id="rId2"/>
+              </a:rPr>
+              <a:t>https://github.com/abalaji-blr/CapstoneProject/tree/master/Deliverables/ExpediaHotelReco.pdf</a:t>
+            </a:r>
+            <a:r>
+              <a:rPr lang="en-US" dirty="0" smtClean="0"/>
+              <a:t>.</a:t>
+            </a:r>
           </a:p>
         </p:txBody>
       </p:sp>
     </p:spTree>
     <p:extLst>
       <p:ext uri="{BB962C8B-B14F-4D97-AF65-F5344CB8AC3E}">
-        <p14:creationId xmlns:p14="http://schemas.microsoft.com/office/powerpoint/2010/main" val="2857120481"/>
+        <p14:creationId xmlns:p14="http://schemas.microsoft.com/office/powerpoint/2010/main" val="1015793203"/>
       </p:ext>
     </p:extLst>
   </p:cSld>
